--- a/日志/优旦科技记录.pptx
+++ b/日志/优旦科技记录.pptx
@@ -9,6 +9,7 @@
     <p:sldId id="259" r:id="rId3"/>
     <p:sldId id="260" r:id="rId4"/>
     <p:sldId id="261" r:id="rId5"/>
+    <p:sldId id="262" r:id="rId6"/>
   </p:sldIdLst>
   <p:sldSz cx="9144000" cy="6858000" type="screen4x3"/>
   <p:notesSz cx="6858000" cy="9144000"/>
@@ -320,7 +321,7 @@
             <a:fld id="{9B234D34-BA58-4E4E-96D7-CAF01F932250}" type="datetimeFigureOut">
               <a:rPr lang="zh-CN" altLang="en-US" smtClean="0"/>
               <a:pPr/>
-              <a:t>2018-05-26</a:t>
+              <a:t>2018-06-07</a:t>
             </a:fld>
             <a:endParaRPr lang="zh-CN" altLang="en-US"/>
           </a:p>
@@ -487,7 +488,7 @@
             <a:fld id="{9B234D34-BA58-4E4E-96D7-CAF01F932250}" type="datetimeFigureOut">
               <a:rPr lang="zh-CN" altLang="en-US" smtClean="0"/>
               <a:pPr/>
-              <a:t>2018-05-26</a:t>
+              <a:t>2018-06-07</a:t>
             </a:fld>
             <a:endParaRPr lang="zh-CN" altLang="en-US"/>
           </a:p>
@@ -664,7 +665,7 @@
             <a:fld id="{9B234D34-BA58-4E4E-96D7-CAF01F932250}" type="datetimeFigureOut">
               <a:rPr lang="zh-CN" altLang="en-US" smtClean="0"/>
               <a:pPr/>
-              <a:t>2018-05-26</a:t>
+              <a:t>2018-06-07</a:t>
             </a:fld>
             <a:endParaRPr lang="zh-CN" altLang="en-US"/>
           </a:p>
@@ -831,7 +832,7 @@
             <a:fld id="{9B234D34-BA58-4E4E-96D7-CAF01F932250}" type="datetimeFigureOut">
               <a:rPr lang="zh-CN" altLang="en-US" smtClean="0"/>
               <a:pPr/>
-              <a:t>2018-05-26</a:t>
+              <a:t>2018-06-07</a:t>
             </a:fld>
             <a:endParaRPr lang="zh-CN" altLang="en-US"/>
           </a:p>
@@ -1074,7 +1075,7 @@
             <a:fld id="{9B234D34-BA58-4E4E-96D7-CAF01F932250}" type="datetimeFigureOut">
               <a:rPr lang="zh-CN" altLang="en-US" smtClean="0"/>
               <a:pPr/>
-              <a:t>2018-05-26</a:t>
+              <a:t>2018-06-07</a:t>
             </a:fld>
             <a:endParaRPr lang="zh-CN" altLang="en-US"/>
           </a:p>
@@ -1359,7 +1360,7 @@
             <a:fld id="{9B234D34-BA58-4E4E-96D7-CAF01F932250}" type="datetimeFigureOut">
               <a:rPr lang="zh-CN" altLang="en-US" smtClean="0"/>
               <a:pPr/>
-              <a:t>2018-05-26</a:t>
+              <a:t>2018-06-07</a:t>
             </a:fld>
             <a:endParaRPr lang="zh-CN" altLang="en-US"/>
           </a:p>
@@ -1778,7 +1779,7 @@
             <a:fld id="{9B234D34-BA58-4E4E-96D7-CAF01F932250}" type="datetimeFigureOut">
               <a:rPr lang="zh-CN" altLang="en-US" smtClean="0"/>
               <a:pPr/>
-              <a:t>2018-05-26</a:t>
+              <a:t>2018-06-07</a:t>
             </a:fld>
             <a:endParaRPr lang="zh-CN" altLang="en-US"/>
           </a:p>
@@ -1893,7 +1894,7 @@
             <a:fld id="{9B234D34-BA58-4E4E-96D7-CAF01F932250}" type="datetimeFigureOut">
               <a:rPr lang="zh-CN" altLang="en-US" smtClean="0"/>
               <a:pPr/>
-              <a:t>2018-05-26</a:t>
+              <a:t>2018-06-07</a:t>
             </a:fld>
             <a:endParaRPr lang="zh-CN" altLang="en-US"/>
           </a:p>
@@ -1985,7 +1986,7 @@
             <a:fld id="{9B234D34-BA58-4E4E-96D7-CAF01F932250}" type="datetimeFigureOut">
               <a:rPr lang="zh-CN" altLang="en-US" smtClean="0"/>
               <a:pPr/>
-              <a:t>2018-05-26</a:t>
+              <a:t>2018-06-07</a:t>
             </a:fld>
             <a:endParaRPr lang="zh-CN" altLang="en-US"/>
           </a:p>
@@ -2259,7 +2260,7 @@
             <a:fld id="{9B234D34-BA58-4E4E-96D7-CAF01F932250}" type="datetimeFigureOut">
               <a:rPr lang="zh-CN" altLang="en-US" smtClean="0"/>
               <a:pPr/>
-              <a:t>2018-05-26</a:t>
+              <a:t>2018-06-07</a:t>
             </a:fld>
             <a:endParaRPr lang="zh-CN" altLang="en-US"/>
           </a:p>
@@ -2509,7 +2510,7 @@
             <a:fld id="{9B234D34-BA58-4E4E-96D7-CAF01F932250}" type="datetimeFigureOut">
               <a:rPr lang="zh-CN" altLang="en-US" smtClean="0"/>
               <a:pPr/>
-              <a:t>2018-05-26</a:t>
+              <a:t>2018-06-07</a:t>
             </a:fld>
             <a:endParaRPr lang="zh-CN" altLang="en-US"/>
           </a:p>
@@ -2719,7 +2720,7 @@
             <a:fld id="{9B234D34-BA58-4E4E-96D7-CAF01F932250}" type="datetimeFigureOut">
               <a:rPr lang="zh-CN" altLang="en-US" smtClean="0"/>
               <a:pPr/>
-              <a:t>2018-05-26</a:t>
+              <a:t>2018-06-07</a:t>
             </a:fld>
             <a:endParaRPr lang="zh-CN" altLang="en-US"/>
           </a:p>
@@ -3984,6 +3985,801 @@
     <p:extLst>
       <p:ext uri="{BB962C8B-B14F-4D97-AF65-F5344CB8AC3E}">
         <p14:creationId xmlns:p14="http://schemas.microsoft.com/office/powerpoint/2010/main" val="3127468567"/>
+      </p:ext>
+    </p:extLst>
+  </p:cSld>
+  <p:clrMapOvr>
+    <a:masterClrMapping/>
+  </p:clrMapOvr>
+</p:sld>
+</file>
+
+<file path=ppt/slides/slide5.xml><?xml version="1.0" encoding="utf-8"?>
+<p:sld xmlns:a="http://schemas.openxmlformats.org/drawingml/2006/main" xmlns:r="http://schemas.openxmlformats.org/officeDocument/2006/relationships" xmlns:p="http://schemas.openxmlformats.org/presentationml/2006/main">
+  <p:cSld>
+    <p:spTree>
+      <p:nvGrpSpPr>
+        <p:cNvPr id="1" name=""/>
+        <p:cNvGrpSpPr/>
+        <p:nvPr/>
+      </p:nvGrpSpPr>
+      <p:grpSpPr>
+        <a:xfrm>
+          <a:off x="0" y="0"/>
+          <a:ext cx="0" cy="0"/>
+          <a:chOff x="0" y="0"/>
+          <a:chExt cx="0" cy="0"/>
+        </a:xfrm>
+      </p:grpSpPr>
+      <p:sp>
+        <p:nvSpPr>
+          <p:cNvPr id="2" name="标题 1"/>
+          <p:cNvSpPr>
+            <a:spLocks noGrp="1"/>
+          </p:cNvSpPr>
+          <p:nvPr>
+            <p:ph type="title"/>
+          </p:nvPr>
+        </p:nvSpPr>
+        <p:spPr/>
+        <p:txBody>
+          <a:bodyPr>
+            <a:normAutofit/>
+          </a:bodyPr>
+          <a:lstStyle/>
+          <a:p>
+            <a:r>
+              <a:rPr lang="zh-CN" altLang="en-US" dirty="0" smtClean="0"/>
+              <a:t>一个标准的</a:t>
+            </a:r>
+            <a:r>
+              <a:rPr lang="en-US" altLang="zh-CN" dirty="0" smtClean="0">
+                <a:solidFill>
+                  <a:srgbClr val="FF0000"/>
+                </a:solidFill>
+              </a:rPr>
+              <a:t>maven</a:t>
+            </a:r>
+            <a:r>
+              <a:rPr lang="zh-CN" altLang="en-US" dirty="0" smtClean="0"/>
+              <a:t>工程</a:t>
+            </a:r>
+            <a:r>
+              <a:rPr lang="zh-CN" altLang="en-US" dirty="0" smtClean="0">
+                <a:solidFill>
+                  <a:srgbClr val="FF0000"/>
+                </a:solidFill>
+              </a:rPr>
+              <a:t>项目</a:t>
+            </a:r>
+            <a:r>
+              <a:rPr lang="zh-CN" altLang="en-US" dirty="0" smtClean="0"/>
+              <a:t>结构</a:t>
+            </a:r>
+            <a:endParaRPr lang="zh-CN" altLang="en-US" dirty="0"/>
+          </a:p>
+        </p:txBody>
+      </p:sp>
+      <p:sp>
+        <p:nvSpPr>
+          <p:cNvPr id="4" name="矩形 3"/>
+          <p:cNvSpPr/>
+          <p:nvPr/>
+        </p:nvSpPr>
+        <p:spPr>
+          <a:xfrm>
+            <a:off x="323528" y="3429000"/>
+            <a:ext cx="1440160" cy="792088"/>
+          </a:xfrm>
+          <a:prstGeom prst="rect">
+            <a:avLst/>
+          </a:prstGeom>
+          <a:solidFill>
+            <a:srgbClr val="FFFF00"/>
+          </a:solidFill>
+        </p:spPr>
+        <p:style>
+          <a:lnRef idx="2">
+            <a:schemeClr val="accent1">
+              <a:shade val="50000"/>
+            </a:schemeClr>
+          </a:lnRef>
+          <a:fillRef idx="1">
+            <a:schemeClr val="accent1"/>
+          </a:fillRef>
+          <a:effectRef idx="0">
+            <a:schemeClr val="accent1"/>
+          </a:effectRef>
+          <a:fontRef idx="minor">
+            <a:schemeClr val="lt1"/>
+          </a:fontRef>
+        </p:style>
+        <p:txBody>
+          <a:bodyPr rtlCol="0" anchor="ctr"/>
+          <a:lstStyle/>
+          <a:p>
+            <a:pPr algn="ctr"/>
+            <a:r>
+              <a:rPr lang="en-US" altLang="zh-CN" dirty="0" smtClean="0">
+                <a:ln w="0"/>
+                <a:solidFill>
+                  <a:srgbClr val="FF0000"/>
+                </a:solidFill>
+                <a:effectLst>
+                  <a:outerShdw blurRad="50800" dist="38100" dir="2700000" algn="tl" rotWithShape="0">
+                    <a:prstClr val="black">
+                      <a:alpha val="40000"/>
+                    </a:prstClr>
+                  </a:outerShdw>
+                </a:effectLst>
+              </a:rPr>
+              <a:t>Maven</a:t>
+            </a:r>
+            <a:r>
+              <a:rPr lang="zh-CN" altLang="en-US" dirty="0" smtClean="0">
+                <a:ln w="0"/>
+                <a:solidFill>
+                  <a:srgbClr val="FF0000"/>
+                </a:solidFill>
+                <a:effectLst>
+                  <a:outerShdw blurRad="50800" dist="38100" dir="2700000" algn="tl" rotWithShape="0">
+                    <a:prstClr val="black">
+                      <a:alpha val="40000"/>
+                    </a:prstClr>
+                  </a:outerShdw>
+                </a:effectLst>
+              </a:rPr>
+              <a:t>工程项目</a:t>
+            </a:r>
+            <a:endParaRPr lang="zh-CN" altLang="en-US" dirty="0">
+              <a:ln w="0"/>
+              <a:solidFill>
+                <a:srgbClr val="FF0000"/>
+              </a:solidFill>
+              <a:effectLst>
+                <a:outerShdw blurRad="50800" dist="38100" dir="2700000" algn="tl" rotWithShape="0">
+                  <a:prstClr val="black">
+                    <a:alpha val="40000"/>
+                  </a:prstClr>
+                </a:outerShdw>
+              </a:effectLst>
+            </a:endParaRPr>
+          </a:p>
+        </p:txBody>
+      </p:sp>
+      <p:sp>
+        <p:nvSpPr>
+          <p:cNvPr id="5" name="左大括号 4"/>
+          <p:cNvSpPr/>
+          <p:nvPr/>
+        </p:nvSpPr>
+        <p:spPr>
+          <a:xfrm>
+            <a:off x="1813444" y="2924944"/>
+            <a:ext cx="310284" cy="1872208"/>
+          </a:xfrm>
+          <a:prstGeom prst="leftBrace">
+            <a:avLst/>
+          </a:prstGeom>
+        </p:spPr>
+        <p:style>
+          <a:lnRef idx="1">
+            <a:schemeClr val="accent2"/>
+          </a:lnRef>
+          <a:fillRef idx="0">
+            <a:schemeClr val="accent2"/>
+          </a:fillRef>
+          <a:effectRef idx="0">
+            <a:schemeClr val="accent2"/>
+          </a:effectRef>
+          <a:fontRef idx="minor">
+            <a:schemeClr val="tx1"/>
+          </a:fontRef>
+        </p:style>
+        <p:txBody>
+          <a:bodyPr rtlCol="0" anchor="ctr"/>
+          <a:lstStyle/>
+          <a:p>
+            <a:pPr algn="ctr"/>
+            <a:endParaRPr lang="zh-CN" altLang="en-US"/>
+          </a:p>
+        </p:txBody>
+      </p:sp>
+      <p:sp>
+        <p:nvSpPr>
+          <p:cNvPr id="6" name="矩形 5"/>
+          <p:cNvSpPr/>
+          <p:nvPr/>
+        </p:nvSpPr>
+        <p:spPr>
+          <a:xfrm>
+            <a:off x="2123728" y="2780928"/>
+            <a:ext cx="1152128" cy="432048"/>
+          </a:xfrm>
+          <a:prstGeom prst="rect">
+            <a:avLst/>
+          </a:prstGeom>
+        </p:spPr>
+        <p:style>
+          <a:lnRef idx="2">
+            <a:schemeClr val="accent6"/>
+          </a:lnRef>
+          <a:fillRef idx="1">
+            <a:schemeClr val="lt1"/>
+          </a:fillRef>
+          <a:effectRef idx="0">
+            <a:schemeClr val="accent6"/>
+          </a:effectRef>
+          <a:fontRef idx="minor">
+            <a:schemeClr val="dk1"/>
+          </a:fontRef>
+        </p:style>
+        <p:txBody>
+          <a:bodyPr rtlCol="0" anchor="ctr"/>
+          <a:lstStyle/>
+          <a:p>
+            <a:pPr algn="ctr"/>
+            <a:r>
+              <a:rPr lang="en-US" altLang="zh-CN" dirty="0" err="1" smtClean="0"/>
+              <a:t>src</a:t>
+            </a:r>
+            <a:endParaRPr lang="zh-CN" altLang="en-US" dirty="0"/>
+          </a:p>
+        </p:txBody>
+      </p:sp>
+      <p:sp>
+        <p:nvSpPr>
+          <p:cNvPr id="7" name="矩形 6"/>
+          <p:cNvSpPr/>
+          <p:nvPr/>
+        </p:nvSpPr>
+        <p:spPr>
+          <a:xfrm>
+            <a:off x="2123728" y="4653136"/>
+            <a:ext cx="1152128" cy="432048"/>
+          </a:xfrm>
+          <a:prstGeom prst="rect">
+            <a:avLst/>
+          </a:prstGeom>
+        </p:spPr>
+        <p:style>
+          <a:lnRef idx="2">
+            <a:schemeClr val="accent6"/>
+          </a:lnRef>
+          <a:fillRef idx="1">
+            <a:schemeClr val="lt1"/>
+          </a:fillRef>
+          <a:effectRef idx="0">
+            <a:schemeClr val="accent6"/>
+          </a:effectRef>
+          <a:fontRef idx="minor">
+            <a:schemeClr val="dk1"/>
+          </a:fontRef>
+        </p:style>
+        <p:txBody>
+          <a:bodyPr rtlCol="0" anchor="ctr"/>
+          <a:lstStyle/>
+          <a:p>
+            <a:pPr algn="ctr"/>
+            <a:r>
+              <a:rPr lang="en-US" altLang="zh-CN" dirty="0" smtClean="0"/>
+              <a:t>target</a:t>
+            </a:r>
+            <a:endParaRPr lang="zh-CN" altLang="en-US" dirty="0"/>
+          </a:p>
+        </p:txBody>
+      </p:sp>
+      <p:sp>
+        <p:nvSpPr>
+          <p:cNvPr id="8" name="左大括号 7"/>
+          <p:cNvSpPr/>
+          <p:nvPr/>
+        </p:nvSpPr>
+        <p:spPr>
+          <a:xfrm>
+            <a:off x="3275856" y="2492896"/>
+            <a:ext cx="360040" cy="864096"/>
+          </a:xfrm>
+          <a:prstGeom prst="leftBrace">
+            <a:avLst/>
+          </a:prstGeom>
+        </p:spPr>
+        <p:style>
+          <a:lnRef idx="1">
+            <a:schemeClr val="accent1"/>
+          </a:lnRef>
+          <a:fillRef idx="0">
+            <a:schemeClr val="accent1"/>
+          </a:fillRef>
+          <a:effectRef idx="0">
+            <a:schemeClr val="accent1"/>
+          </a:effectRef>
+          <a:fontRef idx="minor">
+            <a:schemeClr val="tx1"/>
+          </a:fontRef>
+        </p:style>
+        <p:txBody>
+          <a:bodyPr rtlCol="0" anchor="ctr"/>
+          <a:lstStyle/>
+          <a:p>
+            <a:pPr algn="ctr"/>
+            <a:endParaRPr lang="zh-CN" altLang="en-US"/>
+          </a:p>
+        </p:txBody>
+      </p:sp>
+      <p:sp>
+        <p:nvSpPr>
+          <p:cNvPr id="9" name="矩形 8"/>
+          <p:cNvSpPr/>
+          <p:nvPr/>
+        </p:nvSpPr>
+        <p:spPr>
+          <a:xfrm>
+            <a:off x="3635896" y="2348880"/>
+            <a:ext cx="1008112" cy="360040"/>
+          </a:xfrm>
+          <a:prstGeom prst="rect">
+            <a:avLst/>
+          </a:prstGeom>
+        </p:spPr>
+        <p:style>
+          <a:lnRef idx="2">
+            <a:schemeClr val="accent6"/>
+          </a:lnRef>
+          <a:fillRef idx="1">
+            <a:schemeClr val="lt1"/>
+          </a:fillRef>
+          <a:effectRef idx="0">
+            <a:schemeClr val="accent6"/>
+          </a:effectRef>
+          <a:fontRef idx="minor">
+            <a:schemeClr val="dk1"/>
+          </a:fontRef>
+        </p:style>
+        <p:txBody>
+          <a:bodyPr rtlCol="0" anchor="ctr"/>
+          <a:lstStyle/>
+          <a:p>
+            <a:pPr algn="ctr"/>
+            <a:r>
+              <a:rPr lang="en-US" altLang="zh-CN" dirty="0" smtClean="0"/>
+              <a:t>main</a:t>
+            </a:r>
+            <a:endParaRPr lang="zh-CN" altLang="en-US" dirty="0"/>
+          </a:p>
+        </p:txBody>
+      </p:sp>
+      <p:sp>
+        <p:nvSpPr>
+          <p:cNvPr id="10" name="矩形 9"/>
+          <p:cNvSpPr/>
+          <p:nvPr/>
+        </p:nvSpPr>
+        <p:spPr>
+          <a:xfrm>
+            <a:off x="3635896" y="3212976"/>
+            <a:ext cx="1008112" cy="360040"/>
+          </a:xfrm>
+          <a:prstGeom prst="rect">
+            <a:avLst/>
+          </a:prstGeom>
+        </p:spPr>
+        <p:style>
+          <a:lnRef idx="2">
+            <a:schemeClr val="accent6"/>
+          </a:lnRef>
+          <a:fillRef idx="1">
+            <a:schemeClr val="lt1"/>
+          </a:fillRef>
+          <a:effectRef idx="0">
+            <a:schemeClr val="accent6"/>
+          </a:effectRef>
+          <a:fontRef idx="minor">
+            <a:schemeClr val="dk1"/>
+          </a:fontRef>
+        </p:style>
+        <p:txBody>
+          <a:bodyPr rtlCol="0" anchor="ctr"/>
+          <a:lstStyle/>
+          <a:p>
+            <a:pPr algn="ctr"/>
+            <a:r>
+              <a:rPr lang="en-US" altLang="zh-CN" dirty="0" smtClean="0"/>
+              <a:t>test</a:t>
+            </a:r>
+            <a:endParaRPr lang="zh-CN" altLang="en-US" dirty="0"/>
+          </a:p>
+        </p:txBody>
+      </p:sp>
+      <p:cxnSp>
+        <p:nvCxnSpPr>
+          <p:cNvPr id="13" name="直接连接符 12"/>
+          <p:cNvCxnSpPr>
+            <a:endCxn id="19" idx="2"/>
+          </p:cNvCxnSpPr>
+          <p:nvPr/>
+        </p:nvCxnSpPr>
+        <p:spPr>
+          <a:xfrm flipV="1">
+            <a:off x="4644008" y="1830468"/>
+            <a:ext cx="428610" cy="518414"/>
+          </a:xfrm>
+          <a:prstGeom prst="line">
+            <a:avLst/>
+          </a:prstGeom>
+        </p:spPr>
+        <p:style>
+          <a:lnRef idx="1">
+            <a:schemeClr val="accent2"/>
+          </a:lnRef>
+          <a:fillRef idx="0">
+            <a:schemeClr val="accent2"/>
+          </a:fillRef>
+          <a:effectRef idx="0">
+            <a:schemeClr val="accent2"/>
+          </a:effectRef>
+          <a:fontRef idx="minor">
+            <a:schemeClr val="tx1"/>
+          </a:fontRef>
+        </p:style>
+      </p:cxnSp>
+      <p:cxnSp>
+        <p:nvCxnSpPr>
+          <p:cNvPr id="15" name="直接连接符 14"/>
+          <p:cNvCxnSpPr>
+            <a:stCxn id="9" idx="3"/>
+          </p:cNvCxnSpPr>
+          <p:nvPr/>
+        </p:nvCxnSpPr>
+        <p:spPr>
+          <a:xfrm flipV="1">
+            <a:off x="4644008" y="2492896"/>
+            <a:ext cx="504056" cy="36004"/>
+          </a:xfrm>
+          <a:prstGeom prst="line">
+            <a:avLst/>
+          </a:prstGeom>
+        </p:spPr>
+        <p:style>
+          <a:lnRef idx="1">
+            <a:schemeClr val="accent1"/>
+          </a:lnRef>
+          <a:fillRef idx="0">
+            <a:schemeClr val="accent1"/>
+          </a:fillRef>
+          <a:effectRef idx="0">
+            <a:schemeClr val="accent1"/>
+          </a:effectRef>
+          <a:fontRef idx="minor">
+            <a:schemeClr val="tx1"/>
+          </a:fontRef>
+        </p:style>
+      </p:cxnSp>
+      <p:cxnSp>
+        <p:nvCxnSpPr>
+          <p:cNvPr id="17" name="直接连接符 16"/>
+          <p:cNvCxnSpPr/>
+          <p:nvPr/>
+        </p:nvCxnSpPr>
+        <p:spPr>
+          <a:xfrm>
+            <a:off x="4644008" y="2708920"/>
+            <a:ext cx="504056" cy="216024"/>
+          </a:xfrm>
+          <a:prstGeom prst="line">
+            <a:avLst/>
+          </a:prstGeom>
+        </p:spPr>
+        <p:style>
+          <a:lnRef idx="1">
+            <a:schemeClr val="accent1"/>
+          </a:lnRef>
+          <a:fillRef idx="0">
+            <a:schemeClr val="accent1"/>
+          </a:fillRef>
+          <a:effectRef idx="0">
+            <a:schemeClr val="accent1"/>
+          </a:effectRef>
+          <a:fontRef idx="minor">
+            <a:schemeClr val="tx1"/>
+          </a:fontRef>
+        </p:style>
+      </p:cxnSp>
+      <p:sp>
+        <p:nvSpPr>
+          <p:cNvPr id="19" name="椭圆 18"/>
+          <p:cNvSpPr/>
+          <p:nvPr/>
+        </p:nvSpPr>
+        <p:spPr>
+          <a:xfrm>
+            <a:off x="5072618" y="1597657"/>
+            <a:ext cx="1731630" cy="465622"/>
+          </a:xfrm>
+          <a:prstGeom prst="ellipse">
+            <a:avLst/>
+          </a:prstGeom>
+        </p:spPr>
+        <p:style>
+          <a:lnRef idx="2">
+            <a:schemeClr val="accent6"/>
+          </a:lnRef>
+          <a:fillRef idx="1">
+            <a:schemeClr val="lt1"/>
+          </a:fillRef>
+          <a:effectRef idx="0">
+            <a:schemeClr val="accent6"/>
+          </a:effectRef>
+          <a:fontRef idx="minor">
+            <a:schemeClr val="dk1"/>
+          </a:fontRef>
+        </p:style>
+        <p:txBody>
+          <a:bodyPr rtlCol="0" anchor="ctr"/>
+          <a:lstStyle/>
+          <a:p>
+            <a:pPr algn="ctr"/>
+            <a:r>
+              <a:rPr lang="en-US" altLang="zh-CN" dirty="0" smtClean="0"/>
+              <a:t>java</a:t>
+            </a:r>
+            <a:endParaRPr lang="zh-CN" altLang="en-US" dirty="0"/>
+          </a:p>
+        </p:txBody>
+      </p:sp>
+      <p:sp>
+        <p:nvSpPr>
+          <p:cNvPr id="20" name="椭圆 19"/>
+          <p:cNvSpPr/>
+          <p:nvPr/>
+        </p:nvSpPr>
+        <p:spPr>
+          <a:xfrm>
+            <a:off x="5072618" y="2063280"/>
+            <a:ext cx="1659622" cy="621440"/>
+          </a:xfrm>
+          <a:prstGeom prst="ellipse">
+            <a:avLst/>
+          </a:prstGeom>
+        </p:spPr>
+        <p:style>
+          <a:lnRef idx="2">
+            <a:schemeClr val="accent6"/>
+          </a:lnRef>
+          <a:fillRef idx="1">
+            <a:schemeClr val="lt1"/>
+          </a:fillRef>
+          <a:effectRef idx="0">
+            <a:schemeClr val="accent6"/>
+          </a:effectRef>
+          <a:fontRef idx="minor">
+            <a:schemeClr val="dk1"/>
+          </a:fontRef>
+        </p:style>
+        <p:txBody>
+          <a:bodyPr rtlCol="0" anchor="ctr"/>
+          <a:lstStyle/>
+          <a:p>
+            <a:pPr algn="ctr"/>
+            <a:r>
+              <a:rPr lang="en-US" altLang="zh-CN" dirty="0" smtClean="0"/>
+              <a:t>resources</a:t>
+            </a:r>
+            <a:endParaRPr lang="zh-CN" altLang="en-US" dirty="0"/>
+          </a:p>
+        </p:txBody>
+      </p:sp>
+      <p:sp>
+        <p:nvSpPr>
+          <p:cNvPr id="21" name="椭圆 20"/>
+          <p:cNvSpPr/>
+          <p:nvPr/>
+        </p:nvSpPr>
+        <p:spPr>
+          <a:xfrm>
+            <a:off x="5148064" y="2684720"/>
+            <a:ext cx="1656184" cy="528256"/>
+          </a:xfrm>
+          <a:prstGeom prst="ellipse">
+            <a:avLst/>
+          </a:prstGeom>
+        </p:spPr>
+        <p:style>
+          <a:lnRef idx="2">
+            <a:schemeClr val="accent6"/>
+          </a:lnRef>
+          <a:fillRef idx="1">
+            <a:schemeClr val="lt1"/>
+          </a:fillRef>
+          <a:effectRef idx="0">
+            <a:schemeClr val="accent6"/>
+          </a:effectRef>
+          <a:fontRef idx="minor">
+            <a:schemeClr val="dk1"/>
+          </a:fontRef>
+        </p:style>
+        <p:txBody>
+          <a:bodyPr rtlCol="0" anchor="ctr"/>
+          <a:lstStyle/>
+          <a:p>
+            <a:pPr algn="ctr"/>
+            <a:r>
+              <a:rPr lang="en-US" altLang="zh-CN" dirty="0" err="1" smtClean="0"/>
+              <a:t>webapp</a:t>
+            </a:r>
+            <a:endParaRPr lang="zh-CN" altLang="en-US" dirty="0"/>
+          </a:p>
+        </p:txBody>
+      </p:sp>
+      <p:cxnSp>
+        <p:nvCxnSpPr>
+          <p:cNvPr id="27" name="直接箭头连接符 26"/>
+          <p:cNvCxnSpPr>
+            <a:stCxn id="10" idx="3"/>
+          </p:cNvCxnSpPr>
+          <p:nvPr/>
+        </p:nvCxnSpPr>
+        <p:spPr>
+          <a:xfrm flipV="1">
+            <a:off x="4644008" y="3356992"/>
+            <a:ext cx="2376264" cy="36004"/>
+          </a:xfrm>
+          <a:prstGeom prst="straightConnector1">
+            <a:avLst/>
+          </a:prstGeom>
+          <a:ln>
+            <a:solidFill>
+              <a:srgbClr val="FF0000"/>
+            </a:solidFill>
+            <a:tailEnd type="triangle"/>
+          </a:ln>
+        </p:spPr>
+        <p:style>
+          <a:lnRef idx="1">
+            <a:schemeClr val="accent2"/>
+          </a:lnRef>
+          <a:fillRef idx="0">
+            <a:schemeClr val="accent2"/>
+          </a:fillRef>
+          <a:effectRef idx="0">
+            <a:schemeClr val="accent2"/>
+          </a:effectRef>
+          <a:fontRef idx="minor">
+            <a:schemeClr val="tx1"/>
+          </a:fontRef>
+        </p:style>
+      </p:cxnSp>
+      <p:sp>
+        <p:nvSpPr>
+          <p:cNvPr id="29" name="左大括号 28"/>
+          <p:cNvSpPr/>
+          <p:nvPr/>
+        </p:nvSpPr>
+        <p:spPr>
+          <a:xfrm>
+            <a:off x="7020272" y="2708920"/>
+            <a:ext cx="360040" cy="1296144"/>
+          </a:xfrm>
+          <a:prstGeom prst="leftBrace">
+            <a:avLst/>
+          </a:prstGeom>
+          <a:ln>
+            <a:solidFill>
+              <a:srgbClr val="FF0000"/>
+            </a:solidFill>
+          </a:ln>
+        </p:spPr>
+        <p:style>
+          <a:lnRef idx="1">
+            <a:schemeClr val="accent1"/>
+          </a:lnRef>
+          <a:fillRef idx="0">
+            <a:schemeClr val="accent1"/>
+          </a:fillRef>
+          <a:effectRef idx="0">
+            <a:schemeClr val="accent1"/>
+          </a:effectRef>
+          <a:fontRef idx="minor">
+            <a:schemeClr val="tx1"/>
+          </a:fontRef>
+        </p:style>
+        <p:txBody>
+          <a:bodyPr rtlCol="0" anchor="ctr"/>
+          <a:lstStyle/>
+          <a:p>
+            <a:pPr algn="ctr"/>
+            <a:endParaRPr lang="zh-CN" altLang="en-US"/>
+          </a:p>
+        </p:txBody>
+      </p:sp>
+      <p:sp>
+        <p:nvSpPr>
+          <p:cNvPr id="30" name="椭圆 29"/>
+          <p:cNvSpPr/>
+          <p:nvPr/>
+        </p:nvSpPr>
+        <p:spPr>
+          <a:xfrm>
+            <a:off x="7380312" y="2492896"/>
+            <a:ext cx="1368152" cy="576064"/>
+          </a:xfrm>
+          <a:prstGeom prst="ellipse">
+            <a:avLst/>
+          </a:prstGeom>
+        </p:spPr>
+        <p:style>
+          <a:lnRef idx="2">
+            <a:schemeClr val="accent6"/>
+          </a:lnRef>
+          <a:fillRef idx="1">
+            <a:schemeClr val="lt1"/>
+          </a:fillRef>
+          <a:effectRef idx="0">
+            <a:schemeClr val="accent6"/>
+          </a:effectRef>
+          <a:fontRef idx="minor">
+            <a:schemeClr val="dk1"/>
+          </a:fontRef>
+        </p:style>
+        <p:txBody>
+          <a:bodyPr rtlCol="0" anchor="ctr"/>
+          <a:lstStyle/>
+          <a:p>
+            <a:pPr algn="ctr"/>
+            <a:r>
+              <a:rPr lang="en-US" altLang="zh-CN" dirty="0" smtClean="0"/>
+              <a:t>java</a:t>
+            </a:r>
+            <a:endParaRPr lang="zh-CN" altLang="en-US" dirty="0"/>
+          </a:p>
+        </p:txBody>
+      </p:sp>
+      <p:sp>
+        <p:nvSpPr>
+          <p:cNvPr id="31" name="椭圆 30"/>
+          <p:cNvSpPr/>
+          <p:nvPr/>
+        </p:nvSpPr>
+        <p:spPr>
+          <a:xfrm>
+            <a:off x="7380312" y="3645024"/>
+            <a:ext cx="1584176" cy="648072"/>
+          </a:xfrm>
+          <a:prstGeom prst="ellipse">
+            <a:avLst/>
+          </a:prstGeom>
+        </p:spPr>
+        <p:style>
+          <a:lnRef idx="2">
+            <a:schemeClr val="accent6"/>
+          </a:lnRef>
+          <a:fillRef idx="1">
+            <a:schemeClr val="lt1"/>
+          </a:fillRef>
+          <a:effectRef idx="0">
+            <a:schemeClr val="accent6"/>
+          </a:effectRef>
+          <a:fontRef idx="minor">
+            <a:schemeClr val="dk1"/>
+          </a:fontRef>
+        </p:style>
+        <p:txBody>
+          <a:bodyPr rtlCol="0" anchor="ctr"/>
+          <a:lstStyle/>
+          <a:p>
+            <a:pPr algn="ctr"/>
+            <a:r>
+              <a:rPr lang="en-US" altLang="zh-CN" dirty="0" smtClean="0"/>
+              <a:t>resources</a:t>
+            </a:r>
+            <a:endParaRPr lang="zh-CN" altLang="en-US" dirty="0"/>
+          </a:p>
+        </p:txBody>
+      </p:sp>
+    </p:spTree>
+    <p:extLst>
+      <p:ext uri="{BB962C8B-B14F-4D97-AF65-F5344CB8AC3E}">
+        <p14:creationId xmlns:p14="http://schemas.microsoft.com/office/powerpoint/2010/main" val="2873127608"/>
       </p:ext>
     </p:extLst>
   </p:cSld>
